--- a/3차발표/2DGame_Project 3차 발표 ppt(2018184042_장진영).pptx
+++ b/3차발표/2DGame_Project 3차 발표 ppt(2018184042_장진영).pptx
@@ -193,7 +193,7 @@
           <a:p>
             <a:fld id="{089D4AA4-3D09-413E-88D9-48673F25587A}" type="datetimeFigureOut">
               <a:rPr lang="ko-KR" altLang="en-US" smtClean="0"/>
-              <a:t>2023-12-02</a:t>
+              <a:t>2023-12-03</a:t>
             </a:fld>
             <a:endParaRPr lang="ko-KR" altLang="en-US"/>
           </a:p>
@@ -595,7 +595,7 @@
           <a:p>
             <a:fld id="{6421D0CB-DC0C-4685-8607-F5668D4BBA8B}" type="datetimeFigureOut">
               <a:rPr lang="ko-KR" altLang="en-US" smtClean="0"/>
-              <a:t>2023-12-02</a:t>
+              <a:t>2023-12-03</a:t>
             </a:fld>
             <a:endParaRPr lang="ko-KR" altLang="en-US"/>
           </a:p>
@@ -908,7 +908,7 @@
           <a:p>
             <a:fld id="{6421D0CB-DC0C-4685-8607-F5668D4BBA8B}" type="datetimeFigureOut">
               <a:rPr lang="ko-KR" altLang="en-US" smtClean="0"/>
-              <a:t>2023-12-02</a:t>
+              <a:t>2023-12-03</a:t>
             </a:fld>
             <a:endParaRPr lang="ko-KR" altLang="en-US"/>
           </a:p>
@@ -1093,7 +1093,7 @@
           <a:p>
             <a:fld id="{6421D0CB-DC0C-4685-8607-F5668D4BBA8B}" type="datetimeFigureOut">
               <a:rPr lang="ko-KR" altLang="en-US" smtClean="0"/>
-              <a:t>2023-12-02</a:t>
+              <a:t>2023-12-03</a:t>
             </a:fld>
             <a:endParaRPr lang="ko-KR" altLang="en-US"/>
           </a:p>
@@ -1268,7 +1268,7 @@
           <a:p>
             <a:fld id="{6421D0CB-DC0C-4685-8607-F5668D4BBA8B}" type="datetimeFigureOut">
               <a:rPr lang="ko-KR" altLang="en-US" smtClean="0"/>
-              <a:t>2023-12-02</a:t>
+              <a:t>2023-12-03</a:t>
             </a:fld>
             <a:endParaRPr lang="ko-KR" altLang="en-US"/>
           </a:p>
@@ -1536,7 +1536,7 @@
           <a:p>
             <a:fld id="{6421D0CB-DC0C-4685-8607-F5668D4BBA8B}" type="datetimeFigureOut">
               <a:rPr lang="ko-KR" altLang="en-US" smtClean="0"/>
-              <a:t>2023-12-02</a:t>
+              <a:t>2023-12-03</a:t>
             </a:fld>
             <a:endParaRPr lang="ko-KR" altLang="en-US"/>
           </a:p>
@@ -2004,7 +2004,7 @@
           <a:p>
             <a:fld id="{6421D0CB-DC0C-4685-8607-F5668D4BBA8B}" type="datetimeFigureOut">
               <a:rPr lang="ko-KR" altLang="en-US" smtClean="0"/>
-              <a:t>2023-12-02</a:t>
+              <a:t>2023-12-03</a:t>
             </a:fld>
             <a:endParaRPr lang="ko-KR" altLang="en-US"/>
           </a:p>
@@ -2493,7 +2493,7 @@
           <a:p>
             <a:fld id="{6421D0CB-DC0C-4685-8607-F5668D4BBA8B}" type="datetimeFigureOut">
               <a:rPr lang="ko-KR" altLang="en-US" smtClean="0"/>
-              <a:t>2023-12-02</a:t>
+              <a:t>2023-12-03</a:t>
             </a:fld>
             <a:endParaRPr lang="ko-KR" altLang="en-US"/>
           </a:p>
@@ -2619,7 +2619,7 @@
           <a:p>
             <a:fld id="{6421D0CB-DC0C-4685-8607-F5668D4BBA8B}" type="datetimeFigureOut">
               <a:rPr lang="ko-KR" altLang="en-US" smtClean="0"/>
-              <a:t>2023-12-02</a:t>
+              <a:t>2023-12-03</a:t>
             </a:fld>
             <a:endParaRPr lang="ko-KR" altLang="en-US"/>
           </a:p>
@@ -2763,7 +2763,7 @@
           <a:p>
             <a:fld id="{6421D0CB-DC0C-4685-8607-F5668D4BBA8B}" type="datetimeFigureOut">
               <a:rPr lang="ko-KR" altLang="en-US" smtClean="0"/>
-              <a:t>2023-12-02</a:t>
+              <a:t>2023-12-03</a:t>
             </a:fld>
             <a:endParaRPr lang="ko-KR" altLang="en-US"/>
           </a:p>
@@ -3085,7 +3085,7 @@
           <a:p>
             <a:fld id="{6421D0CB-DC0C-4685-8607-F5668D4BBA8B}" type="datetimeFigureOut">
               <a:rPr lang="ko-KR" altLang="en-US" smtClean="0"/>
-              <a:t>2023-12-02</a:t>
+              <a:t>2023-12-03</a:t>
             </a:fld>
             <a:endParaRPr lang="ko-KR" altLang="en-US"/>
           </a:p>
@@ -3219,7 +3219,7 @@
           <a:p>
             <a:fld id="{6421D0CB-DC0C-4685-8607-F5668D4BBA8B}" type="datetimeFigureOut">
               <a:rPr lang="ko-KR" altLang="en-US" smtClean="0"/>
-              <a:t>2023-12-02</a:t>
+              <a:t>2023-12-03</a:t>
             </a:fld>
             <a:endParaRPr lang="ko-KR" altLang="en-US"/>
           </a:p>
@@ -4000,7 +4000,7 @@
           <a:p>
             <a:fld id="{6421D0CB-DC0C-4685-8607-F5668D4BBA8B}" type="datetimeFigureOut">
               <a:rPr lang="ko-KR" altLang="en-US" smtClean="0"/>
-              <a:t>2023-12-02</a:t>
+              <a:t>2023-12-03</a:t>
             </a:fld>
             <a:endParaRPr lang="ko-KR" altLang="en-US"/>
           </a:p>
@@ -4506,7 +4506,7 @@
             <p:ph idx="1"/>
             <p:extLst>
               <p:ext uri="{D42A27DB-BD31-4B8C-83A1-F6EECF244321}">
-                <p14:modId xmlns:p14="http://schemas.microsoft.com/office/powerpoint/2010/main" val="1887623049"/>
+                <p14:modId xmlns:p14="http://schemas.microsoft.com/office/powerpoint/2010/main" val="2671499748"/>
               </p:ext>
             </p:extLst>
           </p:nvPr>
@@ -4857,17 +4857,12 @@
                       </a:r>
                       <a:r>
                         <a:rPr lang="ko-KR" altLang="en-US" sz="1200" dirty="0" smtClean="0"/>
-                        <a:t>송곳 </a:t>
-                      </a:r>
-                      <a:r>
-                        <a:rPr lang="ko-KR" altLang="en-US" sz="1200" dirty="0" smtClean="0"/>
-                        <a:t>구현</a:t>
+                        <a:t>송곳 구현</a:t>
                       </a:r>
                       <a:r>
                         <a:rPr lang="en-US" altLang="ko-KR" sz="1200" dirty="0" smtClean="0"/>
                         <a:t>(3)</a:t>
                       </a:r>
-                      <a:endParaRPr lang="en-US" altLang="ko-KR" sz="1200" dirty="0" smtClean="0"/>
                     </a:p>
                     <a:p>
                       <a:pPr algn="ctr" latinLnBrk="1"/>
@@ -4877,11 +4872,7 @@
                       </a:r>
                       <a:r>
                         <a:rPr lang="ko-KR" altLang="en-US" sz="1200" baseline="0" dirty="0" smtClean="0"/>
-                        <a:t>추가로 </a:t>
-                      </a:r>
-                      <a:r>
-                        <a:rPr lang="ko-KR" altLang="en-US" sz="1200" baseline="0" dirty="0" smtClean="0"/>
-                        <a:t>낭떠러지</a:t>
+                        <a:t>추가로 낭떠러지</a:t>
                       </a:r>
                       <a:r>
                         <a:rPr lang="en-US" altLang="ko-KR" sz="1200" baseline="0" dirty="0" smtClean="0"/>
@@ -4943,7 +4934,7 @@
                       </a:r>
                       <a:r>
                         <a:rPr lang="en-US" altLang="ko-KR" dirty="0" smtClean="0"/>
-                        <a:t>140</a:t>
+                        <a:t>100</a:t>
                       </a:r>
                       <a:r>
                         <a:rPr lang="en-US" altLang="ko-KR" dirty="0" smtClean="0"/>
@@ -5375,7 +5366,11 @@
                       <a:pPr algn="ctr" latinLnBrk="1"/>
                       <a:r>
                         <a:rPr lang="en-US" altLang="ko-KR" dirty="0" smtClean="0"/>
-                        <a:t>120%</a:t>
+                        <a:t>100</a:t>
+                      </a:r>
+                      <a:r>
+                        <a:rPr lang="en-US" altLang="ko-KR" dirty="0" smtClean="0"/>
+                        <a:t>%</a:t>
                       </a:r>
                       <a:endParaRPr lang="ko-KR" altLang="en-US" dirty="0"/>
                     </a:p>
@@ -5722,11 +5717,7 @@
                       <a:pPr algn="ctr" latinLnBrk="1"/>
                       <a:r>
                         <a:rPr lang="ko-KR" altLang="en-US" sz="1400" dirty="0" smtClean="0"/>
-                        <a:t>추가 </a:t>
-                      </a:r>
-                      <a:r>
-                        <a:rPr lang="ko-KR" altLang="en-US" sz="1400" dirty="0" smtClean="0"/>
-                        <a:t>구현</a:t>
+                        <a:t>추가 구현</a:t>
                       </a:r>
                       <a:endParaRPr lang="ko-KR" altLang="en-US" sz="1400" dirty="0"/>
                     </a:p>
@@ -5741,11 +5732,7 @@
                       <a:pPr algn="ctr" latinLnBrk="1"/>
                       <a:r>
                         <a:rPr lang="ko-KR" altLang="en-US" sz="1200" dirty="0" smtClean="0"/>
-                        <a:t>플레이 </a:t>
-                      </a:r>
-                      <a:r>
-                        <a:rPr lang="ko-KR" altLang="en-US" sz="1200" dirty="0" smtClean="0"/>
-                        <a:t>시간 화면 상단에 표시</a:t>
+                        <a:t>플레이 시간 화면 상단에 표시</a:t>
                       </a:r>
                       <a:r>
                         <a:rPr lang="en-US" altLang="ko-KR" sz="1200" dirty="0" smtClean="0"/>
@@ -5757,11 +5744,7 @@
                       </a:r>
                       <a:r>
                         <a:rPr lang="ko-KR" altLang="en-US" sz="1200" dirty="0" smtClean="0"/>
-                        <a:t> </a:t>
-                      </a:r>
-                      <a:r>
-                        <a:rPr lang="ko-KR" altLang="en-US" sz="1200" dirty="0" smtClean="0"/>
-                        <a:t>재생 구현</a:t>
+                        <a:t> 재생 구현</a:t>
                       </a:r>
                       <a:r>
                         <a:rPr lang="en-US" altLang="ko-KR" sz="1200" dirty="0" smtClean="0"/>
@@ -5785,11 +5768,7 @@
                       </a:r>
                       <a:r>
                         <a:rPr lang="ko-KR" altLang="en-US" sz="1200" dirty="0" smtClean="0"/>
-                        <a:t> 배경 플레이어 따라 </a:t>
-                      </a:r>
-                      <a:r>
-                        <a:rPr lang="ko-KR" altLang="en-US" sz="1200" dirty="0" smtClean="0"/>
-                        <a:t>움직이기</a:t>
+                        <a:t> 배경 플레이어 따라 움직이기</a:t>
                       </a:r>
                       <a:endParaRPr lang="ko-KR" altLang="en-US" sz="1200" dirty="0"/>
                     </a:p>
@@ -5966,11 +5945,7 @@
                       </a:r>
                       <a:r>
                         <a:rPr lang="ko-KR" altLang="en-US" sz="1400" dirty="0" smtClean="0"/>
-                        <a:t>그 외에 추가로 구현한 것들도 </a:t>
-                      </a:r>
-                      <a:r>
-                        <a:rPr lang="ko-KR" altLang="en-US" sz="1400" dirty="0" smtClean="0"/>
-                        <a:t>존재</a:t>
+                        <a:t>그 외에 추가로 구현한 것들도 존재</a:t>
                       </a:r>
                       <a:endParaRPr lang="ko-KR" altLang="en-US" sz="1400" dirty="0"/>
                     </a:p>
